--- a/ppt 16-9/1587.阿拉法俄梅戛.pptx
+++ b/ppt 16-9/1587.阿拉法俄梅戛.pptx
@@ -5,7 +5,7 @@
     <p:sldMasterId id="2147483648" r:id="rId1"/>
   </p:sldMasterIdLst>
   <p:sldIdLst>
-    <p:sldId id="3445" r:id="rId2"/>
+    <p:sldId id="3446" r:id="rId2"/>
   </p:sldIdLst>
   <p:sldSz cx="12192000" cy="6858000"/>
   <p:notesSz cx="6858000" cy="9144000"/>
@@ -129,7 +129,7 @@
           <p:cNvPr id="2" name="标题 1">
             <a:extLst>
               <a:ext uri="{FF2B5EF4-FFF2-40B4-BE49-F238E27FC236}">
-                <a16:creationId xmlns:a16="http://schemas.microsoft.com/office/drawing/2014/main" id="{AC614E3B-E2F2-A8EE-27BE-E14E01C4FB94}"/>
+                <a16:creationId xmlns:a16="http://schemas.microsoft.com/office/drawing/2014/main" id="{9C926457-B605-6481-A12C-EC09B24A9FBA}"/>
               </a:ext>
             </a:extLst>
           </p:cNvPr>
@@ -166,7 +166,7 @@
           <p:cNvPr id="3" name="副标题 2">
             <a:extLst>
               <a:ext uri="{FF2B5EF4-FFF2-40B4-BE49-F238E27FC236}">
-                <a16:creationId xmlns:a16="http://schemas.microsoft.com/office/drawing/2014/main" id="{D82AA494-B7A5-B99B-CFB7-11C068011B62}"/>
+                <a16:creationId xmlns:a16="http://schemas.microsoft.com/office/drawing/2014/main" id="{9FFA3BC1-8EFF-6480-7605-DDAE2C337039}"/>
               </a:ext>
             </a:extLst>
           </p:cNvPr>
@@ -236,7 +236,7 @@
           <p:cNvPr id="4" name="日期占位符 3">
             <a:extLst>
               <a:ext uri="{FF2B5EF4-FFF2-40B4-BE49-F238E27FC236}">
-                <a16:creationId xmlns:a16="http://schemas.microsoft.com/office/drawing/2014/main" id="{1036021A-B1A8-A5A8-FD4B-634256FB94C6}"/>
+                <a16:creationId xmlns:a16="http://schemas.microsoft.com/office/drawing/2014/main" id="{42F5A811-02D9-29E1-CFC8-5C95C266BDCD}"/>
               </a:ext>
             </a:extLst>
           </p:cNvPr>
@@ -252,7 +252,7 @@
           <a:bodyPr/>
           <a:lstStyle/>
           <a:p>
-            <a:fld id="{38F268B1-0581-46E5-95E6-120364D28F85}" type="datetimeFigureOut">
+            <a:fld id="{77EE7569-D325-426D-8E6F-BAFBF06AF82B}" type="datetimeFigureOut">
               <a:rPr lang="zh-CN" altLang="en-US" smtClean="0"/>
               <a:t>2024/3/10</a:t>
             </a:fld>
@@ -265,7 +265,7 @@
           <p:cNvPr id="5" name="页脚占位符 4">
             <a:extLst>
               <a:ext uri="{FF2B5EF4-FFF2-40B4-BE49-F238E27FC236}">
-                <a16:creationId xmlns:a16="http://schemas.microsoft.com/office/drawing/2014/main" id="{2BEBE007-B108-B157-4351-3985DD5DD269}"/>
+                <a16:creationId xmlns:a16="http://schemas.microsoft.com/office/drawing/2014/main" id="{6CA585B8-0279-28BB-727D-D475A1F6E57F}"/>
               </a:ext>
             </a:extLst>
           </p:cNvPr>
@@ -290,7 +290,7 @@
           <p:cNvPr id="6" name="灯片编号占位符 5">
             <a:extLst>
               <a:ext uri="{FF2B5EF4-FFF2-40B4-BE49-F238E27FC236}">
-                <a16:creationId xmlns:a16="http://schemas.microsoft.com/office/drawing/2014/main" id="{40E1D1B8-3B9E-8832-5AAF-2125C0816419}"/>
+                <a16:creationId xmlns:a16="http://schemas.microsoft.com/office/drawing/2014/main" id="{0C4B8D63-0CFD-5187-064E-EE7FDA05B451}"/>
               </a:ext>
             </a:extLst>
           </p:cNvPr>
@@ -306,7 +306,7 @@
           <a:bodyPr/>
           <a:lstStyle/>
           <a:p>
-            <a:fld id="{5AC78EAC-1D3E-4964-89D1-A7B65708BE9A}" type="slidenum">
+            <a:fld id="{949BBAAA-4E31-4A16-847A-27D8808C19A9}" type="slidenum">
               <a:rPr lang="zh-CN" altLang="en-US" smtClean="0"/>
               <a:t>‹#›</a:t>
             </a:fld>
@@ -317,7 +317,7 @@
     </p:spTree>
     <p:extLst>
       <p:ext uri="{BB962C8B-B14F-4D97-AF65-F5344CB8AC3E}">
-        <p14:creationId xmlns:p14="http://schemas.microsoft.com/office/powerpoint/2010/main" val="879235847"/>
+        <p14:creationId xmlns:p14="http://schemas.microsoft.com/office/powerpoint/2010/main" val="1030388695"/>
       </p:ext>
     </p:extLst>
   </p:cSld>
@@ -349,7 +349,7 @@
           <p:cNvPr id="2" name="标题 1">
             <a:extLst>
               <a:ext uri="{FF2B5EF4-FFF2-40B4-BE49-F238E27FC236}">
-                <a16:creationId xmlns:a16="http://schemas.microsoft.com/office/drawing/2014/main" id="{DEF30177-5518-F727-6E1F-8BD307EC3946}"/>
+                <a16:creationId xmlns:a16="http://schemas.microsoft.com/office/drawing/2014/main" id="{7D37D02D-2E93-87AD-8935-C562DA1371DE}"/>
               </a:ext>
             </a:extLst>
           </p:cNvPr>
@@ -377,7 +377,7 @@
           <p:cNvPr id="3" name="竖排文字占位符 2">
             <a:extLst>
               <a:ext uri="{FF2B5EF4-FFF2-40B4-BE49-F238E27FC236}">
-                <a16:creationId xmlns:a16="http://schemas.microsoft.com/office/drawing/2014/main" id="{C7626A83-3A60-EFE7-541A-F4E0B069610D}"/>
+                <a16:creationId xmlns:a16="http://schemas.microsoft.com/office/drawing/2014/main" id="{30874902-DB73-95EE-A9C7-F9DDC634E6F9}"/>
               </a:ext>
             </a:extLst>
           </p:cNvPr>
@@ -434,7 +434,7 @@
           <p:cNvPr id="4" name="日期占位符 3">
             <a:extLst>
               <a:ext uri="{FF2B5EF4-FFF2-40B4-BE49-F238E27FC236}">
-                <a16:creationId xmlns:a16="http://schemas.microsoft.com/office/drawing/2014/main" id="{8CEFC383-A6E5-C102-FECA-EDE77987B907}"/>
+                <a16:creationId xmlns:a16="http://schemas.microsoft.com/office/drawing/2014/main" id="{4D2B733F-1249-AB4F-9BAE-72A1C08FD218}"/>
               </a:ext>
             </a:extLst>
           </p:cNvPr>
@@ -450,7 +450,7 @@
           <a:bodyPr/>
           <a:lstStyle/>
           <a:p>
-            <a:fld id="{38F268B1-0581-46E5-95E6-120364D28F85}" type="datetimeFigureOut">
+            <a:fld id="{77EE7569-D325-426D-8E6F-BAFBF06AF82B}" type="datetimeFigureOut">
               <a:rPr lang="zh-CN" altLang="en-US" smtClean="0"/>
               <a:t>2024/3/10</a:t>
             </a:fld>
@@ -463,7 +463,7 @@
           <p:cNvPr id="5" name="页脚占位符 4">
             <a:extLst>
               <a:ext uri="{FF2B5EF4-FFF2-40B4-BE49-F238E27FC236}">
-                <a16:creationId xmlns:a16="http://schemas.microsoft.com/office/drawing/2014/main" id="{EF71D712-0649-7D3E-2306-AEA5902BEF8B}"/>
+                <a16:creationId xmlns:a16="http://schemas.microsoft.com/office/drawing/2014/main" id="{79E2E21A-A768-D063-46B3-899A917F684C}"/>
               </a:ext>
             </a:extLst>
           </p:cNvPr>
@@ -488,7 +488,7 @@
           <p:cNvPr id="6" name="灯片编号占位符 5">
             <a:extLst>
               <a:ext uri="{FF2B5EF4-FFF2-40B4-BE49-F238E27FC236}">
-                <a16:creationId xmlns:a16="http://schemas.microsoft.com/office/drawing/2014/main" id="{1BDBA69B-6B7F-82F4-62CA-919EEFA4CF84}"/>
+                <a16:creationId xmlns:a16="http://schemas.microsoft.com/office/drawing/2014/main" id="{7B1ACC15-D64F-2900-3DF0-47CA410F3384}"/>
               </a:ext>
             </a:extLst>
           </p:cNvPr>
@@ -504,7 +504,7 @@
           <a:bodyPr/>
           <a:lstStyle/>
           <a:p>
-            <a:fld id="{5AC78EAC-1D3E-4964-89D1-A7B65708BE9A}" type="slidenum">
+            <a:fld id="{949BBAAA-4E31-4A16-847A-27D8808C19A9}" type="slidenum">
               <a:rPr lang="zh-CN" altLang="en-US" smtClean="0"/>
               <a:t>‹#›</a:t>
             </a:fld>
@@ -515,7 +515,7 @@
     </p:spTree>
     <p:extLst>
       <p:ext uri="{BB962C8B-B14F-4D97-AF65-F5344CB8AC3E}">
-        <p14:creationId xmlns:p14="http://schemas.microsoft.com/office/powerpoint/2010/main" val="1428922990"/>
+        <p14:creationId xmlns:p14="http://schemas.microsoft.com/office/powerpoint/2010/main" val="2324796670"/>
       </p:ext>
     </p:extLst>
   </p:cSld>
@@ -547,7 +547,7 @@
           <p:cNvPr id="2" name="竖排标题 1">
             <a:extLst>
               <a:ext uri="{FF2B5EF4-FFF2-40B4-BE49-F238E27FC236}">
-                <a16:creationId xmlns:a16="http://schemas.microsoft.com/office/drawing/2014/main" id="{C2B0E4E2-85EC-D681-1C89-440D8A91803C}"/>
+                <a16:creationId xmlns:a16="http://schemas.microsoft.com/office/drawing/2014/main" id="{6F169C9B-D3BF-7A98-4AF7-6AD468253D1F}"/>
               </a:ext>
             </a:extLst>
           </p:cNvPr>
@@ -580,7 +580,7 @@
           <p:cNvPr id="3" name="竖排文字占位符 2">
             <a:extLst>
               <a:ext uri="{FF2B5EF4-FFF2-40B4-BE49-F238E27FC236}">
-                <a16:creationId xmlns:a16="http://schemas.microsoft.com/office/drawing/2014/main" id="{D885EFDC-8076-37AB-7E5B-464BD028F90F}"/>
+                <a16:creationId xmlns:a16="http://schemas.microsoft.com/office/drawing/2014/main" id="{6E910F1A-0EB4-C2D0-4AB3-19C40ECF01A5}"/>
               </a:ext>
             </a:extLst>
           </p:cNvPr>
@@ -642,7 +642,7 @@
           <p:cNvPr id="4" name="日期占位符 3">
             <a:extLst>
               <a:ext uri="{FF2B5EF4-FFF2-40B4-BE49-F238E27FC236}">
-                <a16:creationId xmlns:a16="http://schemas.microsoft.com/office/drawing/2014/main" id="{1524F5D6-2660-50CA-21EB-BB832E51FE61}"/>
+                <a16:creationId xmlns:a16="http://schemas.microsoft.com/office/drawing/2014/main" id="{FBB13BFC-2D1D-6EB0-DCD2-29A377D30A17}"/>
               </a:ext>
             </a:extLst>
           </p:cNvPr>
@@ -658,7 +658,7 @@
           <a:bodyPr/>
           <a:lstStyle/>
           <a:p>
-            <a:fld id="{38F268B1-0581-46E5-95E6-120364D28F85}" type="datetimeFigureOut">
+            <a:fld id="{77EE7569-D325-426D-8E6F-BAFBF06AF82B}" type="datetimeFigureOut">
               <a:rPr lang="zh-CN" altLang="en-US" smtClean="0"/>
               <a:t>2024/3/10</a:t>
             </a:fld>
@@ -671,7 +671,7 @@
           <p:cNvPr id="5" name="页脚占位符 4">
             <a:extLst>
               <a:ext uri="{FF2B5EF4-FFF2-40B4-BE49-F238E27FC236}">
-                <a16:creationId xmlns:a16="http://schemas.microsoft.com/office/drawing/2014/main" id="{7E9CB6E1-DE33-CBCA-5748-B9851CC3CB9A}"/>
+                <a16:creationId xmlns:a16="http://schemas.microsoft.com/office/drawing/2014/main" id="{78B59A8F-5F0F-7D0B-8A6D-72E7D5D398D8}"/>
               </a:ext>
             </a:extLst>
           </p:cNvPr>
@@ -696,7 +696,7 @@
           <p:cNvPr id="6" name="灯片编号占位符 5">
             <a:extLst>
               <a:ext uri="{FF2B5EF4-FFF2-40B4-BE49-F238E27FC236}">
-                <a16:creationId xmlns:a16="http://schemas.microsoft.com/office/drawing/2014/main" id="{52975FCE-DDB9-2E82-6E8C-B87442FD1B1F}"/>
+                <a16:creationId xmlns:a16="http://schemas.microsoft.com/office/drawing/2014/main" id="{D1046A4F-4A52-36E2-116B-129AB95E9118}"/>
               </a:ext>
             </a:extLst>
           </p:cNvPr>
@@ -712,7 +712,7 @@
           <a:bodyPr/>
           <a:lstStyle/>
           <a:p>
-            <a:fld id="{5AC78EAC-1D3E-4964-89D1-A7B65708BE9A}" type="slidenum">
+            <a:fld id="{949BBAAA-4E31-4A16-847A-27D8808C19A9}" type="slidenum">
               <a:rPr lang="zh-CN" altLang="en-US" smtClean="0"/>
               <a:t>‹#›</a:t>
             </a:fld>
@@ -723,7 +723,7 @@
     </p:spTree>
     <p:extLst>
       <p:ext uri="{BB962C8B-B14F-4D97-AF65-F5344CB8AC3E}">
-        <p14:creationId xmlns:p14="http://schemas.microsoft.com/office/powerpoint/2010/main" val="2020276938"/>
+        <p14:creationId xmlns:p14="http://schemas.microsoft.com/office/powerpoint/2010/main" val="1295813645"/>
       </p:ext>
     </p:extLst>
   </p:cSld>
@@ -755,7 +755,7 @@
           <p:cNvPr id="2" name="标题 1">
             <a:extLst>
               <a:ext uri="{FF2B5EF4-FFF2-40B4-BE49-F238E27FC236}">
-                <a16:creationId xmlns:a16="http://schemas.microsoft.com/office/drawing/2014/main" id="{B5993D22-A4F9-CC18-CB4B-3D3BC5A1B0F7}"/>
+                <a16:creationId xmlns:a16="http://schemas.microsoft.com/office/drawing/2014/main" id="{76F533F5-98C0-2043-D9BC-7F360AB07EA4}"/>
               </a:ext>
             </a:extLst>
           </p:cNvPr>
@@ -783,7 +783,7 @@
           <p:cNvPr id="3" name="内容占位符 2">
             <a:extLst>
               <a:ext uri="{FF2B5EF4-FFF2-40B4-BE49-F238E27FC236}">
-                <a16:creationId xmlns:a16="http://schemas.microsoft.com/office/drawing/2014/main" id="{6F067EC1-E975-03E5-AFBC-0437067A9B6D}"/>
+                <a16:creationId xmlns:a16="http://schemas.microsoft.com/office/drawing/2014/main" id="{7AFF85BF-028B-D096-3220-040DF32BB291}"/>
               </a:ext>
             </a:extLst>
           </p:cNvPr>
@@ -840,7 +840,7 @@
           <p:cNvPr id="4" name="日期占位符 3">
             <a:extLst>
               <a:ext uri="{FF2B5EF4-FFF2-40B4-BE49-F238E27FC236}">
-                <a16:creationId xmlns:a16="http://schemas.microsoft.com/office/drawing/2014/main" id="{A623BFCE-9BB9-82BF-3D55-2E3DC7797E91}"/>
+                <a16:creationId xmlns:a16="http://schemas.microsoft.com/office/drawing/2014/main" id="{F77D4F37-1977-EBCC-AA2D-1C54F8BC16D1}"/>
               </a:ext>
             </a:extLst>
           </p:cNvPr>
@@ -856,7 +856,7 @@
           <a:bodyPr/>
           <a:lstStyle/>
           <a:p>
-            <a:fld id="{38F268B1-0581-46E5-95E6-120364D28F85}" type="datetimeFigureOut">
+            <a:fld id="{77EE7569-D325-426D-8E6F-BAFBF06AF82B}" type="datetimeFigureOut">
               <a:rPr lang="zh-CN" altLang="en-US" smtClean="0"/>
               <a:t>2024/3/10</a:t>
             </a:fld>
@@ -869,7 +869,7 @@
           <p:cNvPr id="5" name="页脚占位符 4">
             <a:extLst>
               <a:ext uri="{FF2B5EF4-FFF2-40B4-BE49-F238E27FC236}">
-                <a16:creationId xmlns:a16="http://schemas.microsoft.com/office/drawing/2014/main" id="{C892A5FA-881E-299B-564D-820ED91B7D50}"/>
+                <a16:creationId xmlns:a16="http://schemas.microsoft.com/office/drawing/2014/main" id="{D2DF080F-B2AA-EDD8-34E9-5977F5EB4FD1}"/>
               </a:ext>
             </a:extLst>
           </p:cNvPr>
@@ -894,7 +894,7 @@
           <p:cNvPr id="6" name="灯片编号占位符 5">
             <a:extLst>
               <a:ext uri="{FF2B5EF4-FFF2-40B4-BE49-F238E27FC236}">
-                <a16:creationId xmlns:a16="http://schemas.microsoft.com/office/drawing/2014/main" id="{A342895A-4A0C-4685-8BF0-DF917EDB7ED7}"/>
+                <a16:creationId xmlns:a16="http://schemas.microsoft.com/office/drawing/2014/main" id="{4D9D79E2-89F7-5FDD-6860-0FE84F069D6A}"/>
               </a:ext>
             </a:extLst>
           </p:cNvPr>
@@ -910,7 +910,7 @@
           <a:bodyPr/>
           <a:lstStyle/>
           <a:p>
-            <a:fld id="{5AC78EAC-1D3E-4964-89D1-A7B65708BE9A}" type="slidenum">
+            <a:fld id="{949BBAAA-4E31-4A16-847A-27D8808C19A9}" type="slidenum">
               <a:rPr lang="zh-CN" altLang="en-US" smtClean="0"/>
               <a:t>‹#›</a:t>
             </a:fld>
@@ -921,7 +921,7 @@
     </p:spTree>
     <p:extLst>
       <p:ext uri="{BB962C8B-B14F-4D97-AF65-F5344CB8AC3E}">
-        <p14:creationId xmlns:p14="http://schemas.microsoft.com/office/powerpoint/2010/main" val="1521293055"/>
+        <p14:creationId xmlns:p14="http://schemas.microsoft.com/office/powerpoint/2010/main" val="143587375"/>
       </p:ext>
     </p:extLst>
   </p:cSld>
@@ -953,7 +953,7 @@
           <p:cNvPr id="2" name="标题 1">
             <a:extLst>
               <a:ext uri="{FF2B5EF4-FFF2-40B4-BE49-F238E27FC236}">
-                <a16:creationId xmlns:a16="http://schemas.microsoft.com/office/drawing/2014/main" id="{9CA3C794-403C-CB90-6AF6-CE048554D35B}"/>
+                <a16:creationId xmlns:a16="http://schemas.microsoft.com/office/drawing/2014/main" id="{B860EC24-A915-B182-84C2-832DF5093940}"/>
               </a:ext>
             </a:extLst>
           </p:cNvPr>
@@ -990,7 +990,7 @@
           <p:cNvPr id="3" name="文本占位符 2">
             <a:extLst>
               <a:ext uri="{FF2B5EF4-FFF2-40B4-BE49-F238E27FC236}">
-                <a16:creationId xmlns:a16="http://schemas.microsoft.com/office/drawing/2014/main" id="{03E64F5B-5519-B964-EF89-08608874CEC5}"/>
+                <a16:creationId xmlns:a16="http://schemas.microsoft.com/office/drawing/2014/main" id="{8A3862D6-D79F-6877-2437-DB5F10854DE0}"/>
               </a:ext>
             </a:extLst>
           </p:cNvPr>
@@ -1115,7 +1115,7 @@
           <p:cNvPr id="4" name="日期占位符 3">
             <a:extLst>
               <a:ext uri="{FF2B5EF4-FFF2-40B4-BE49-F238E27FC236}">
-                <a16:creationId xmlns:a16="http://schemas.microsoft.com/office/drawing/2014/main" id="{7545B28E-9F87-AD0B-035A-23300285A327}"/>
+                <a16:creationId xmlns:a16="http://schemas.microsoft.com/office/drawing/2014/main" id="{E1C0BD0F-B831-6E38-9809-EC7A7635F420}"/>
               </a:ext>
             </a:extLst>
           </p:cNvPr>
@@ -1131,7 +1131,7 @@
           <a:bodyPr/>
           <a:lstStyle/>
           <a:p>
-            <a:fld id="{38F268B1-0581-46E5-95E6-120364D28F85}" type="datetimeFigureOut">
+            <a:fld id="{77EE7569-D325-426D-8E6F-BAFBF06AF82B}" type="datetimeFigureOut">
               <a:rPr lang="zh-CN" altLang="en-US" smtClean="0"/>
               <a:t>2024/3/10</a:t>
             </a:fld>
@@ -1144,7 +1144,7 @@
           <p:cNvPr id="5" name="页脚占位符 4">
             <a:extLst>
               <a:ext uri="{FF2B5EF4-FFF2-40B4-BE49-F238E27FC236}">
-                <a16:creationId xmlns:a16="http://schemas.microsoft.com/office/drawing/2014/main" id="{455D6A1F-9DE1-5BDB-8BC1-710F777ADB31}"/>
+                <a16:creationId xmlns:a16="http://schemas.microsoft.com/office/drawing/2014/main" id="{876122C0-80DC-9F71-8BB5-19FBD360F9F7}"/>
               </a:ext>
             </a:extLst>
           </p:cNvPr>
@@ -1169,7 +1169,7 @@
           <p:cNvPr id="6" name="灯片编号占位符 5">
             <a:extLst>
               <a:ext uri="{FF2B5EF4-FFF2-40B4-BE49-F238E27FC236}">
-                <a16:creationId xmlns:a16="http://schemas.microsoft.com/office/drawing/2014/main" id="{712E7AED-39F3-DBA0-A943-C0B583173E60}"/>
+                <a16:creationId xmlns:a16="http://schemas.microsoft.com/office/drawing/2014/main" id="{F7041D30-E9D5-3F10-8472-43DE33F05195}"/>
               </a:ext>
             </a:extLst>
           </p:cNvPr>
@@ -1185,7 +1185,7 @@
           <a:bodyPr/>
           <a:lstStyle/>
           <a:p>
-            <a:fld id="{5AC78EAC-1D3E-4964-89D1-A7B65708BE9A}" type="slidenum">
+            <a:fld id="{949BBAAA-4E31-4A16-847A-27D8808C19A9}" type="slidenum">
               <a:rPr lang="zh-CN" altLang="en-US" smtClean="0"/>
               <a:t>‹#›</a:t>
             </a:fld>
@@ -1196,7 +1196,7 @@
     </p:spTree>
     <p:extLst>
       <p:ext uri="{BB962C8B-B14F-4D97-AF65-F5344CB8AC3E}">
-        <p14:creationId xmlns:p14="http://schemas.microsoft.com/office/powerpoint/2010/main" val="2827839379"/>
+        <p14:creationId xmlns:p14="http://schemas.microsoft.com/office/powerpoint/2010/main" val="1818486346"/>
       </p:ext>
     </p:extLst>
   </p:cSld>
@@ -1228,7 +1228,7 @@
           <p:cNvPr id="2" name="标题 1">
             <a:extLst>
               <a:ext uri="{FF2B5EF4-FFF2-40B4-BE49-F238E27FC236}">
-                <a16:creationId xmlns:a16="http://schemas.microsoft.com/office/drawing/2014/main" id="{008EA064-30B2-78C9-89D5-062F8057ED07}"/>
+                <a16:creationId xmlns:a16="http://schemas.microsoft.com/office/drawing/2014/main" id="{21F7FE84-8BB6-4AA8-81B5-CECA47BC9EAF}"/>
               </a:ext>
             </a:extLst>
           </p:cNvPr>
@@ -1256,7 +1256,7 @@
           <p:cNvPr id="3" name="内容占位符 2">
             <a:extLst>
               <a:ext uri="{FF2B5EF4-FFF2-40B4-BE49-F238E27FC236}">
-                <a16:creationId xmlns:a16="http://schemas.microsoft.com/office/drawing/2014/main" id="{85DE506D-10EB-A5A0-9D55-F9B1DBCF573C}"/>
+                <a16:creationId xmlns:a16="http://schemas.microsoft.com/office/drawing/2014/main" id="{882095C6-AA57-09B2-6C07-90AB2E683DC4}"/>
               </a:ext>
             </a:extLst>
           </p:cNvPr>
@@ -1318,7 +1318,7 @@
           <p:cNvPr id="4" name="内容占位符 3">
             <a:extLst>
               <a:ext uri="{FF2B5EF4-FFF2-40B4-BE49-F238E27FC236}">
-                <a16:creationId xmlns:a16="http://schemas.microsoft.com/office/drawing/2014/main" id="{8B3C050A-1743-3C69-393C-A6A68629A3D3}"/>
+                <a16:creationId xmlns:a16="http://schemas.microsoft.com/office/drawing/2014/main" id="{AF2A22B8-920C-7F2E-E71E-2AFE4264C975}"/>
               </a:ext>
             </a:extLst>
           </p:cNvPr>
@@ -1380,7 +1380,7 @@
           <p:cNvPr id="5" name="日期占位符 4">
             <a:extLst>
               <a:ext uri="{FF2B5EF4-FFF2-40B4-BE49-F238E27FC236}">
-                <a16:creationId xmlns:a16="http://schemas.microsoft.com/office/drawing/2014/main" id="{9B7428FA-051B-92DD-FB91-E186CDA1A656}"/>
+                <a16:creationId xmlns:a16="http://schemas.microsoft.com/office/drawing/2014/main" id="{2C168FD5-C70A-3450-80D4-E73C58E685FF}"/>
               </a:ext>
             </a:extLst>
           </p:cNvPr>
@@ -1396,7 +1396,7 @@
           <a:bodyPr/>
           <a:lstStyle/>
           <a:p>
-            <a:fld id="{38F268B1-0581-46E5-95E6-120364D28F85}" type="datetimeFigureOut">
+            <a:fld id="{77EE7569-D325-426D-8E6F-BAFBF06AF82B}" type="datetimeFigureOut">
               <a:rPr lang="zh-CN" altLang="en-US" smtClean="0"/>
               <a:t>2024/3/10</a:t>
             </a:fld>
@@ -1409,7 +1409,7 @@
           <p:cNvPr id="6" name="页脚占位符 5">
             <a:extLst>
               <a:ext uri="{FF2B5EF4-FFF2-40B4-BE49-F238E27FC236}">
-                <a16:creationId xmlns:a16="http://schemas.microsoft.com/office/drawing/2014/main" id="{808DCAA5-A70F-A7C0-B81A-A90DE103FA90}"/>
+                <a16:creationId xmlns:a16="http://schemas.microsoft.com/office/drawing/2014/main" id="{172E7D9E-48F0-19C0-154E-AA045C088B02}"/>
               </a:ext>
             </a:extLst>
           </p:cNvPr>
@@ -1434,7 +1434,7 @@
           <p:cNvPr id="7" name="灯片编号占位符 6">
             <a:extLst>
               <a:ext uri="{FF2B5EF4-FFF2-40B4-BE49-F238E27FC236}">
-                <a16:creationId xmlns:a16="http://schemas.microsoft.com/office/drawing/2014/main" id="{99FF0083-76E6-0A1F-FB9A-030341D26845}"/>
+                <a16:creationId xmlns:a16="http://schemas.microsoft.com/office/drawing/2014/main" id="{3C275F59-0896-67FF-AB8C-A162A3CEEC1D}"/>
               </a:ext>
             </a:extLst>
           </p:cNvPr>
@@ -1450,7 +1450,7 @@
           <a:bodyPr/>
           <a:lstStyle/>
           <a:p>
-            <a:fld id="{5AC78EAC-1D3E-4964-89D1-A7B65708BE9A}" type="slidenum">
+            <a:fld id="{949BBAAA-4E31-4A16-847A-27D8808C19A9}" type="slidenum">
               <a:rPr lang="zh-CN" altLang="en-US" smtClean="0"/>
               <a:t>‹#›</a:t>
             </a:fld>
@@ -1461,7 +1461,7 @@
     </p:spTree>
     <p:extLst>
       <p:ext uri="{BB962C8B-B14F-4D97-AF65-F5344CB8AC3E}">
-        <p14:creationId xmlns:p14="http://schemas.microsoft.com/office/powerpoint/2010/main" val="2858577713"/>
+        <p14:creationId xmlns:p14="http://schemas.microsoft.com/office/powerpoint/2010/main" val="1073884539"/>
       </p:ext>
     </p:extLst>
   </p:cSld>
@@ -1493,7 +1493,7 @@
           <p:cNvPr id="2" name="标题 1">
             <a:extLst>
               <a:ext uri="{FF2B5EF4-FFF2-40B4-BE49-F238E27FC236}">
-                <a16:creationId xmlns:a16="http://schemas.microsoft.com/office/drawing/2014/main" id="{7621B06E-A8D6-49D9-19B8-9180BCD45619}"/>
+                <a16:creationId xmlns:a16="http://schemas.microsoft.com/office/drawing/2014/main" id="{7A392548-7C05-B948-A640-EAD4208AE01E}"/>
               </a:ext>
             </a:extLst>
           </p:cNvPr>
@@ -1526,7 +1526,7 @@
           <p:cNvPr id="3" name="文本占位符 2">
             <a:extLst>
               <a:ext uri="{FF2B5EF4-FFF2-40B4-BE49-F238E27FC236}">
-                <a16:creationId xmlns:a16="http://schemas.microsoft.com/office/drawing/2014/main" id="{AB282329-7CE4-A4DD-B569-00D27F72CCE1}"/>
+                <a16:creationId xmlns:a16="http://schemas.microsoft.com/office/drawing/2014/main" id="{EFCE9534-DD42-B863-8CC7-A67B4BCC9475}"/>
               </a:ext>
             </a:extLst>
           </p:cNvPr>
@@ -1597,7 +1597,7 @@
           <p:cNvPr id="4" name="内容占位符 3">
             <a:extLst>
               <a:ext uri="{FF2B5EF4-FFF2-40B4-BE49-F238E27FC236}">
-                <a16:creationId xmlns:a16="http://schemas.microsoft.com/office/drawing/2014/main" id="{6E3396F0-7CD4-49A4-E89D-FCD496E78F7F}"/>
+                <a16:creationId xmlns:a16="http://schemas.microsoft.com/office/drawing/2014/main" id="{3A061502-C9D0-73F7-1B03-82EB3ADF2954}"/>
               </a:ext>
             </a:extLst>
           </p:cNvPr>
@@ -1659,7 +1659,7 @@
           <p:cNvPr id="5" name="文本占位符 4">
             <a:extLst>
               <a:ext uri="{FF2B5EF4-FFF2-40B4-BE49-F238E27FC236}">
-                <a16:creationId xmlns:a16="http://schemas.microsoft.com/office/drawing/2014/main" id="{6402F326-443A-90A2-784D-1668F6271E92}"/>
+                <a16:creationId xmlns:a16="http://schemas.microsoft.com/office/drawing/2014/main" id="{4B56697B-44EF-A395-E6F2-29CBBC231B42}"/>
               </a:ext>
             </a:extLst>
           </p:cNvPr>
@@ -1730,7 +1730,7 @@
           <p:cNvPr id="6" name="内容占位符 5">
             <a:extLst>
               <a:ext uri="{FF2B5EF4-FFF2-40B4-BE49-F238E27FC236}">
-                <a16:creationId xmlns:a16="http://schemas.microsoft.com/office/drawing/2014/main" id="{B0521078-2E53-5E5D-82DD-8A972081444A}"/>
+                <a16:creationId xmlns:a16="http://schemas.microsoft.com/office/drawing/2014/main" id="{ED9F0D26-EB93-44DD-21E5-7583F3012931}"/>
               </a:ext>
             </a:extLst>
           </p:cNvPr>
@@ -1792,7 +1792,7 @@
           <p:cNvPr id="7" name="日期占位符 6">
             <a:extLst>
               <a:ext uri="{FF2B5EF4-FFF2-40B4-BE49-F238E27FC236}">
-                <a16:creationId xmlns:a16="http://schemas.microsoft.com/office/drawing/2014/main" id="{91319646-CEEE-4C71-063F-226CF44FF732}"/>
+                <a16:creationId xmlns:a16="http://schemas.microsoft.com/office/drawing/2014/main" id="{91E71F95-7AE8-B828-677B-203BB10718E7}"/>
               </a:ext>
             </a:extLst>
           </p:cNvPr>
@@ -1808,7 +1808,7 @@
           <a:bodyPr/>
           <a:lstStyle/>
           <a:p>
-            <a:fld id="{38F268B1-0581-46E5-95E6-120364D28F85}" type="datetimeFigureOut">
+            <a:fld id="{77EE7569-D325-426D-8E6F-BAFBF06AF82B}" type="datetimeFigureOut">
               <a:rPr lang="zh-CN" altLang="en-US" smtClean="0"/>
               <a:t>2024/3/10</a:t>
             </a:fld>
@@ -1821,7 +1821,7 @@
           <p:cNvPr id="8" name="页脚占位符 7">
             <a:extLst>
               <a:ext uri="{FF2B5EF4-FFF2-40B4-BE49-F238E27FC236}">
-                <a16:creationId xmlns:a16="http://schemas.microsoft.com/office/drawing/2014/main" id="{6E3111FE-A8C5-36DE-5ED3-290C5387546E}"/>
+                <a16:creationId xmlns:a16="http://schemas.microsoft.com/office/drawing/2014/main" id="{ABF7A87E-C551-B5F7-B83B-DCB0284EFCF5}"/>
               </a:ext>
             </a:extLst>
           </p:cNvPr>
@@ -1846,7 +1846,7 @@
           <p:cNvPr id="9" name="灯片编号占位符 8">
             <a:extLst>
               <a:ext uri="{FF2B5EF4-FFF2-40B4-BE49-F238E27FC236}">
-                <a16:creationId xmlns:a16="http://schemas.microsoft.com/office/drawing/2014/main" id="{0FDAA872-162D-088B-5517-D7CC608F48DE}"/>
+                <a16:creationId xmlns:a16="http://schemas.microsoft.com/office/drawing/2014/main" id="{86C81CAB-4798-A6B1-E42E-A8281CD935C1}"/>
               </a:ext>
             </a:extLst>
           </p:cNvPr>
@@ -1862,7 +1862,7 @@
           <a:bodyPr/>
           <a:lstStyle/>
           <a:p>
-            <a:fld id="{5AC78EAC-1D3E-4964-89D1-A7B65708BE9A}" type="slidenum">
+            <a:fld id="{949BBAAA-4E31-4A16-847A-27D8808C19A9}" type="slidenum">
               <a:rPr lang="zh-CN" altLang="en-US" smtClean="0"/>
               <a:t>‹#›</a:t>
             </a:fld>
@@ -1873,7 +1873,7 @@
     </p:spTree>
     <p:extLst>
       <p:ext uri="{BB962C8B-B14F-4D97-AF65-F5344CB8AC3E}">
-        <p14:creationId xmlns:p14="http://schemas.microsoft.com/office/powerpoint/2010/main" val="1688475807"/>
+        <p14:creationId xmlns:p14="http://schemas.microsoft.com/office/powerpoint/2010/main" val="2172946620"/>
       </p:ext>
     </p:extLst>
   </p:cSld>
@@ -1905,7 +1905,7 @@
           <p:cNvPr id="2" name="标题 1">
             <a:extLst>
               <a:ext uri="{FF2B5EF4-FFF2-40B4-BE49-F238E27FC236}">
-                <a16:creationId xmlns:a16="http://schemas.microsoft.com/office/drawing/2014/main" id="{9CC9E930-1F1C-7EDC-7CD7-21784F6B5057}"/>
+                <a16:creationId xmlns:a16="http://schemas.microsoft.com/office/drawing/2014/main" id="{A8E704B8-4879-1A22-0D84-B7BAAA0B5293}"/>
               </a:ext>
             </a:extLst>
           </p:cNvPr>
@@ -1933,7 +1933,7 @@
           <p:cNvPr id="3" name="日期占位符 2">
             <a:extLst>
               <a:ext uri="{FF2B5EF4-FFF2-40B4-BE49-F238E27FC236}">
-                <a16:creationId xmlns:a16="http://schemas.microsoft.com/office/drawing/2014/main" id="{AD8D4790-369F-2CF7-DF1B-485FF11CE366}"/>
+                <a16:creationId xmlns:a16="http://schemas.microsoft.com/office/drawing/2014/main" id="{2E9F81C1-A4B8-2BE0-D7A8-18BF3A73E0D6}"/>
               </a:ext>
             </a:extLst>
           </p:cNvPr>
@@ -1949,7 +1949,7 @@
           <a:bodyPr/>
           <a:lstStyle/>
           <a:p>
-            <a:fld id="{38F268B1-0581-46E5-95E6-120364D28F85}" type="datetimeFigureOut">
+            <a:fld id="{77EE7569-D325-426D-8E6F-BAFBF06AF82B}" type="datetimeFigureOut">
               <a:rPr lang="zh-CN" altLang="en-US" smtClean="0"/>
               <a:t>2024/3/10</a:t>
             </a:fld>
@@ -1962,7 +1962,7 @@
           <p:cNvPr id="4" name="页脚占位符 3">
             <a:extLst>
               <a:ext uri="{FF2B5EF4-FFF2-40B4-BE49-F238E27FC236}">
-                <a16:creationId xmlns:a16="http://schemas.microsoft.com/office/drawing/2014/main" id="{381AC4DB-D93C-8E7F-AE26-877893CC6785}"/>
+                <a16:creationId xmlns:a16="http://schemas.microsoft.com/office/drawing/2014/main" id="{BCF8C9C8-BED7-7DDE-FC90-9EBA743D25AE}"/>
               </a:ext>
             </a:extLst>
           </p:cNvPr>
@@ -1987,7 +1987,7 @@
           <p:cNvPr id="5" name="灯片编号占位符 4">
             <a:extLst>
               <a:ext uri="{FF2B5EF4-FFF2-40B4-BE49-F238E27FC236}">
-                <a16:creationId xmlns:a16="http://schemas.microsoft.com/office/drawing/2014/main" id="{2FCD4C5A-72CA-9AF7-3B84-D45B940B7021}"/>
+                <a16:creationId xmlns:a16="http://schemas.microsoft.com/office/drawing/2014/main" id="{3D229A0A-5D20-212B-E776-613D60E3C7E7}"/>
               </a:ext>
             </a:extLst>
           </p:cNvPr>
@@ -2003,7 +2003,7 @@
           <a:bodyPr/>
           <a:lstStyle/>
           <a:p>
-            <a:fld id="{5AC78EAC-1D3E-4964-89D1-A7B65708BE9A}" type="slidenum">
+            <a:fld id="{949BBAAA-4E31-4A16-847A-27D8808C19A9}" type="slidenum">
               <a:rPr lang="zh-CN" altLang="en-US" smtClean="0"/>
               <a:t>‹#›</a:t>
             </a:fld>
@@ -2014,7 +2014,7 @@
     </p:spTree>
     <p:extLst>
       <p:ext uri="{BB962C8B-B14F-4D97-AF65-F5344CB8AC3E}">
-        <p14:creationId xmlns:p14="http://schemas.microsoft.com/office/powerpoint/2010/main" val="3238942589"/>
+        <p14:creationId xmlns:p14="http://schemas.microsoft.com/office/powerpoint/2010/main" val="2778580855"/>
       </p:ext>
     </p:extLst>
   </p:cSld>
@@ -2046,7 +2046,7 @@
           <p:cNvPr id="2" name="日期占位符 1">
             <a:extLst>
               <a:ext uri="{FF2B5EF4-FFF2-40B4-BE49-F238E27FC236}">
-                <a16:creationId xmlns:a16="http://schemas.microsoft.com/office/drawing/2014/main" id="{2FDF06CF-E7A9-D393-2F41-17FB378B91EB}"/>
+                <a16:creationId xmlns:a16="http://schemas.microsoft.com/office/drawing/2014/main" id="{39344409-22D7-FA09-D722-732738A17382}"/>
               </a:ext>
             </a:extLst>
           </p:cNvPr>
@@ -2062,7 +2062,7 @@
           <a:bodyPr/>
           <a:lstStyle/>
           <a:p>
-            <a:fld id="{38F268B1-0581-46E5-95E6-120364D28F85}" type="datetimeFigureOut">
+            <a:fld id="{77EE7569-D325-426D-8E6F-BAFBF06AF82B}" type="datetimeFigureOut">
               <a:rPr lang="zh-CN" altLang="en-US" smtClean="0"/>
               <a:t>2024/3/10</a:t>
             </a:fld>
@@ -2075,7 +2075,7 @@
           <p:cNvPr id="3" name="页脚占位符 2">
             <a:extLst>
               <a:ext uri="{FF2B5EF4-FFF2-40B4-BE49-F238E27FC236}">
-                <a16:creationId xmlns:a16="http://schemas.microsoft.com/office/drawing/2014/main" id="{7761F923-BACF-314D-8AA4-6D6F27F15A04}"/>
+                <a16:creationId xmlns:a16="http://schemas.microsoft.com/office/drawing/2014/main" id="{80F86F82-CCBB-F83E-C970-AA58687A0EC9}"/>
               </a:ext>
             </a:extLst>
           </p:cNvPr>
@@ -2100,7 +2100,7 @@
           <p:cNvPr id="4" name="灯片编号占位符 3">
             <a:extLst>
               <a:ext uri="{FF2B5EF4-FFF2-40B4-BE49-F238E27FC236}">
-                <a16:creationId xmlns:a16="http://schemas.microsoft.com/office/drawing/2014/main" id="{929C12D2-C1B8-2B16-3716-1EA0A7C4EAA8}"/>
+                <a16:creationId xmlns:a16="http://schemas.microsoft.com/office/drawing/2014/main" id="{6ED4F32A-3BA9-C9A9-BABF-2577E15E6213}"/>
               </a:ext>
             </a:extLst>
           </p:cNvPr>
@@ -2116,7 +2116,7 @@
           <a:bodyPr/>
           <a:lstStyle/>
           <a:p>
-            <a:fld id="{5AC78EAC-1D3E-4964-89D1-A7B65708BE9A}" type="slidenum">
+            <a:fld id="{949BBAAA-4E31-4A16-847A-27D8808C19A9}" type="slidenum">
               <a:rPr lang="zh-CN" altLang="en-US" smtClean="0"/>
               <a:t>‹#›</a:t>
             </a:fld>
@@ -2127,7 +2127,7 @@
     </p:spTree>
     <p:extLst>
       <p:ext uri="{BB962C8B-B14F-4D97-AF65-F5344CB8AC3E}">
-        <p14:creationId xmlns:p14="http://schemas.microsoft.com/office/powerpoint/2010/main" val="3473447230"/>
+        <p14:creationId xmlns:p14="http://schemas.microsoft.com/office/powerpoint/2010/main" val="1060618922"/>
       </p:ext>
     </p:extLst>
   </p:cSld>
@@ -2159,7 +2159,7 @@
           <p:cNvPr id="2" name="标题 1">
             <a:extLst>
               <a:ext uri="{FF2B5EF4-FFF2-40B4-BE49-F238E27FC236}">
-                <a16:creationId xmlns:a16="http://schemas.microsoft.com/office/drawing/2014/main" id="{8ABD6D75-89DA-66EB-C273-03593C305413}"/>
+                <a16:creationId xmlns:a16="http://schemas.microsoft.com/office/drawing/2014/main" id="{D56BB2F1-C3B2-72B5-73BD-C5898533A500}"/>
               </a:ext>
             </a:extLst>
           </p:cNvPr>
@@ -2196,7 +2196,7 @@
           <p:cNvPr id="3" name="内容占位符 2">
             <a:extLst>
               <a:ext uri="{FF2B5EF4-FFF2-40B4-BE49-F238E27FC236}">
-                <a16:creationId xmlns:a16="http://schemas.microsoft.com/office/drawing/2014/main" id="{36741C19-94E6-724E-9EF4-20899105518B}"/>
+                <a16:creationId xmlns:a16="http://schemas.microsoft.com/office/drawing/2014/main" id="{964C9356-0AE1-D005-826A-410B79D59B49}"/>
               </a:ext>
             </a:extLst>
           </p:cNvPr>
@@ -2286,7 +2286,7 @@
           <p:cNvPr id="4" name="文本占位符 3">
             <a:extLst>
               <a:ext uri="{FF2B5EF4-FFF2-40B4-BE49-F238E27FC236}">
-                <a16:creationId xmlns:a16="http://schemas.microsoft.com/office/drawing/2014/main" id="{8D80A208-489C-64C9-3568-6A350B1DEE5E}"/>
+                <a16:creationId xmlns:a16="http://schemas.microsoft.com/office/drawing/2014/main" id="{6BDDD1D4-B835-9A30-0C9A-3FCC1D1CB6AA}"/>
               </a:ext>
             </a:extLst>
           </p:cNvPr>
@@ -2357,7 +2357,7 @@
           <p:cNvPr id="5" name="日期占位符 4">
             <a:extLst>
               <a:ext uri="{FF2B5EF4-FFF2-40B4-BE49-F238E27FC236}">
-                <a16:creationId xmlns:a16="http://schemas.microsoft.com/office/drawing/2014/main" id="{005ED00F-EC8A-66E8-ABC7-6B9829A89769}"/>
+                <a16:creationId xmlns:a16="http://schemas.microsoft.com/office/drawing/2014/main" id="{8040E700-AFE2-7AD4-D10E-65B60DCA1F19}"/>
               </a:ext>
             </a:extLst>
           </p:cNvPr>
@@ -2373,7 +2373,7 @@
           <a:bodyPr/>
           <a:lstStyle/>
           <a:p>
-            <a:fld id="{38F268B1-0581-46E5-95E6-120364D28F85}" type="datetimeFigureOut">
+            <a:fld id="{77EE7569-D325-426D-8E6F-BAFBF06AF82B}" type="datetimeFigureOut">
               <a:rPr lang="zh-CN" altLang="en-US" smtClean="0"/>
               <a:t>2024/3/10</a:t>
             </a:fld>
@@ -2386,7 +2386,7 @@
           <p:cNvPr id="6" name="页脚占位符 5">
             <a:extLst>
               <a:ext uri="{FF2B5EF4-FFF2-40B4-BE49-F238E27FC236}">
-                <a16:creationId xmlns:a16="http://schemas.microsoft.com/office/drawing/2014/main" id="{4A16B3C0-BA28-CF8A-B2DB-9EF1EE6EAC86}"/>
+                <a16:creationId xmlns:a16="http://schemas.microsoft.com/office/drawing/2014/main" id="{250F7F6A-857F-D493-B0FF-20A5D8975032}"/>
               </a:ext>
             </a:extLst>
           </p:cNvPr>
@@ -2411,7 +2411,7 @@
           <p:cNvPr id="7" name="灯片编号占位符 6">
             <a:extLst>
               <a:ext uri="{FF2B5EF4-FFF2-40B4-BE49-F238E27FC236}">
-                <a16:creationId xmlns:a16="http://schemas.microsoft.com/office/drawing/2014/main" id="{C265472C-6E18-DD53-CE02-2BDF845FC66C}"/>
+                <a16:creationId xmlns:a16="http://schemas.microsoft.com/office/drawing/2014/main" id="{9AA3C21A-2081-53AA-F2BB-3C8C23392516}"/>
               </a:ext>
             </a:extLst>
           </p:cNvPr>
@@ -2427,7 +2427,7 @@
           <a:bodyPr/>
           <a:lstStyle/>
           <a:p>
-            <a:fld id="{5AC78EAC-1D3E-4964-89D1-A7B65708BE9A}" type="slidenum">
+            <a:fld id="{949BBAAA-4E31-4A16-847A-27D8808C19A9}" type="slidenum">
               <a:rPr lang="zh-CN" altLang="en-US" smtClean="0"/>
               <a:t>‹#›</a:t>
             </a:fld>
@@ -2438,7 +2438,7 @@
     </p:spTree>
     <p:extLst>
       <p:ext uri="{BB962C8B-B14F-4D97-AF65-F5344CB8AC3E}">
-        <p14:creationId xmlns:p14="http://schemas.microsoft.com/office/powerpoint/2010/main" val="1948553255"/>
+        <p14:creationId xmlns:p14="http://schemas.microsoft.com/office/powerpoint/2010/main" val="3376746864"/>
       </p:ext>
     </p:extLst>
   </p:cSld>
@@ -2470,7 +2470,7 @@
           <p:cNvPr id="2" name="标题 1">
             <a:extLst>
               <a:ext uri="{FF2B5EF4-FFF2-40B4-BE49-F238E27FC236}">
-                <a16:creationId xmlns:a16="http://schemas.microsoft.com/office/drawing/2014/main" id="{B6CCC61A-D746-F5FB-8776-2D57CDDB2AD1}"/>
+                <a16:creationId xmlns:a16="http://schemas.microsoft.com/office/drawing/2014/main" id="{66177855-7891-D098-6DEE-128E597CA9F4}"/>
               </a:ext>
             </a:extLst>
           </p:cNvPr>
@@ -2507,7 +2507,7 @@
           <p:cNvPr id="3" name="图片占位符 2">
             <a:extLst>
               <a:ext uri="{FF2B5EF4-FFF2-40B4-BE49-F238E27FC236}">
-                <a16:creationId xmlns:a16="http://schemas.microsoft.com/office/drawing/2014/main" id="{7BDED372-3C86-F365-EADB-9FC552796326}"/>
+                <a16:creationId xmlns:a16="http://schemas.microsoft.com/office/drawing/2014/main" id="{9F13E31E-F10F-BB68-7C2F-F29C2BA7E480}"/>
               </a:ext>
             </a:extLst>
           </p:cNvPr>
@@ -2574,7 +2574,7 @@
           <p:cNvPr id="4" name="文本占位符 3">
             <a:extLst>
               <a:ext uri="{FF2B5EF4-FFF2-40B4-BE49-F238E27FC236}">
-                <a16:creationId xmlns:a16="http://schemas.microsoft.com/office/drawing/2014/main" id="{22AF9A30-2AD0-20DB-CEAD-7A696A5A1227}"/>
+                <a16:creationId xmlns:a16="http://schemas.microsoft.com/office/drawing/2014/main" id="{B0F7BAA6-7BA2-19B9-0EA1-E420F93C9149}"/>
               </a:ext>
             </a:extLst>
           </p:cNvPr>
@@ -2645,7 +2645,7 @@
           <p:cNvPr id="5" name="日期占位符 4">
             <a:extLst>
               <a:ext uri="{FF2B5EF4-FFF2-40B4-BE49-F238E27FC236}">
-                <a16:creationId xmlns:a16="http://schemas.microsoft.com/office/drawing/2014/main" id="{2D44EA76-E466-CB73-3A0E-D753272DC238}"/>
+                <a16:creationId xmlns:a16="http://schemas.microsoft.com/office/drawing/2014/main" id="{CE9F30E8-5039-3239-CA97-99CDF9188699}"/>
               </a:ext>
             </a:extLst>
           </p:cNvPr>
@@ -2661,7 +2661,7 @@
           <a:bodyPr/>
           <a:lstStyle/>
           <a:p>
-            <a:fld id="{38F268B1-0581-46E5-95E6-120364D28F85}" type="datetimeFigureOut">
+            <a:fld id="{77EE7569-D325-426D-8E6F-BAFBF06AF82B}" type="datetimeFigureOut">
               <a:rPr lang="zh-CN" altLang="en-US" smtClean="0"/>
               <a:t>2024/3/10</a:t>
             </a:fld>
@@ -2674,7 +2674,7 @@
           <p:cNvPr id="6" name="页脚占位符 5">
             <a:extLst>
               <a:ext uri="{FF2B5EF4-FFF2-40B4-BE49-F238E27FC236}">
-                <a16:creationId xmlns:a16="http://schemas.microsoft.com/office/drawing/2014/main" id="{DFA91A70-447E-CDFF-5D70-70CD75ED0A2D}"/>
+                <a16:creationId xmlns:a16="http://schemas.microsoft.com/office/drawing/2014/main" id="{5DDAF510-6D22-D78A-8BC8-5A1506638970}"/>
               </a:ext>
             </a:extLst>
           </p:cNvPr>
@@ -2699,7 +2699,7 @@
           <p:cNvPr id="7" name="灯片编号占位符 6">
             <a:extLst>
               <a:ext uri="{FF2B5EF4-FFF2-40B4-BE49-F238E27FC236}">
-                <a16:creationId xmlns:a16="http://schemas.microsoft.com/office/drawing/2014/main" id="{FE3469C7-BD1E-4834-B07F-EA6CCE488B2E}"/>
+                <a16:creationId xmlns:a16="http://schemas.microsoft.com/office/drawing/2014/main" id="{DDADC012-5DCD-1E64-D299-E9C0BC38ECEB}"/>
               </a:ext>
             </a:extLst>
           </p:cNvPr>
@@ -2715,7 +2715,7 @@
           <a:bodyPr/>
           <a:lstStyle/>
           <a:p>
-            <a:fld id="{5AC78EAC-1D3E-4964-89D1-A7B65708BE9A}" type="slidenum">
+            <a:fld id="{949BBAAA-4E31-4A16-847A-27D8808C19A9}" type="slidenum">
               <a:rPr lang="zh-CN" altLang="en-US" smtClean="0"/>
               <a:t>‹#›</a:t>
             </a:fld>
@@ -2726,7 +2726,7 @@
     </p:spTree>
     <p:extLst>
       <p:ext uri="{BB962C8B-B14F-4D97-AF65-F5344CB8AC3E}">
-        <p14:creationId xmlns:p14="http://schemas.microsoft.com/office/powerpoint/2010/main" val="3472678207"/>
+        <p14:creationId xmlns:p14="http://schemas.microsoft.com/office/powerpoint/2010/main" val="163538206"/>
       </p:ext>
     </p:extLst>
   </p:cSld>
@@ -2763,7 +2763,7 @@
           <p:cNvPr id="2" name="标题占位符 1">
             <a:extLst>
               <a:ext uri="{FF2B5EF4-FFF2-40B4-BE49-F238E27FC236}">
-                <a16:creationId xmlns:a16="http://schemas.microsoft.com/office/drawing/2014/main" id="{7547268A-5BD2-6382-4DBF-98245222FA4A}"/>
+                <a16:creationId xmlns:a16="http://schemas.microsoft.com/office/drawing/2014/main" id="{95053E54-73B7-2D57-2638-F0789196A22F}"/>
               </a:ext>
             </a:extLst>
           </p:cNvPr>
@@ -2801,7 +2801,7 @@
           <p:cNvPr id="3" name="文本占位符 2">
             <a:extLst>
               <a:ext uri="{FF2B5EF4-FFF2-40B4-BE49-F238E27FC236}">
-                <a16:creationId xmlns:a16="http://schemas.microsoft.com/office/drawing/2014/main" id="{F4F9E674-3997-2910-6D59-E5282597C572}"/>
+                <a16:creationId xmlns:a16="http://schemas.microsoft.com/office/drawing/2014/main" id="{CB19B113-4644-7590-B5CD-C80F765BF0BD}"/>
               </a:ext>
             </a:extLst>
           </p:cNvPr>
@@ -2868,7 +2868,7 @@
           <p:cNvPr id="4" name="日期占位符 3">
             <a:extLst>
               <a:ext uri="{FF2B5EF4-FFF2-40B4-BE49-F238E27FC236}">
-                <a16:creationId xmlns:a16="http://schemas.microsoft.com/office/drawing/2014/main" id="{4A88E160-DA79-6C8A-255A-48296C20DDD3}"/>
+                <a16:creationId xmlns:a16="http://schemas.microsoft.com/office/drawing/2014/main" id="{ABED462B-68C0-4579-D5F3-D1AA1C875E1A}"/>
               </a:ext>
             </a:extLst>
           </p:cNvPr>
@@ -2902,7 +2902,7 @@
             </a:lvl1pPr>
           </a:lstStyle>
           <a:p>
-            <a:fld id="{38F268B1-0581-46E5-95E6-120364D28F85}" type="datetimeFigureOut">
+            <a:fld id="{77EE7569-D325-426D-8E6F-BAFBF06AF82B}" type="datetimeFigureOut">
               <a:rPr lang="zh-CN" altLang="en-US" smtClean="0"/>
               <a:t>2024/3/10</a:t>
             </a:fld>
@@ -2915,7 +2915,7 @@
           <p:cNvPr id="5" name="页脚占位符 4">
             <a:extLst>
               <a:ext uri="{FF2B5EF4-FFF2-40B4-BE49-F238E27FC236}">
-                <a16:creationId xmlns:a16="http://schemas.microsoft.com/office/drawing/2014/main" id="{C39FB7AD-59AA-9616-A844-551C5EBD50BF}"/>
+                <a16:creationId xmlns:a16="http://schemas.microsoft.com/office/drawing/2014/main" id="{E4EBF64C-44C7-974F-52F9-B10D8149ED6D}"/>
               </a:ext>
             </a:extLst>
           </p:cNvPr>
@@ -2958,7 +2958,7 @@
           <p:cNvPr id="6" name="灯片编号占位符 5">
             <a:extLst>
               <a:ext uri="{FF2B5EF4-FFF2-40B4-BE49-F238E27FC236}">
-                <a16:creationId xmlns:a16="http://schemas.microsoft.com/office/drawing/2014/main" id="{31AD9F79-7562-1C06-0B48-D611683F3ADE}"/>
+                <a16:creationId xmlns:a16="http://schemas.microsoft.com/office/drawing/2014/main" id="{7DD21FF2-790E-239A-7D0B-5167322FC754}"/>
               </a:ext>
             </a:extLst>
           </p:cNvPr>
@@ -2992,7 +2992,7 @@
             </a:lvl1pPr>
           </a:lstStyle>
           <a:p>
-            <a:fld id="{5AC78EAC-1D3E-4964-89D1-A7B65708BE9A}" type="slidenum">
+            <a:fld id="{949BBAAA-4E31-4A16-847A-27D8808C19A9}" type="slidenum">
               <a:rPr lang="zh-CN" altLang="en-US" smtClean="0"/>
               <a:t>‹#›</a:t>
             </a:fld>
@@ -3003,7 +3003,7 @@
     </p:spTree>
     <p:extLst>
       <p:ext uri="{BB962C8B-B14F-4D97-AF65-F5344CB8AC3E}">
-        <p14:creationId xmlns:p14="http://schemas.microsoft.com/office/powerpoint/2010/main" val="1932268777"/>
+        <p14:creationId xmlns:p14="http://schemas.microsoft.com/office/powerpoint/2010/main" val="1285454589"/>
       </p:ext>
     </p:extLst>
   </p:cSld>
@@ -3323,7 +3323,7 @@
       </p:grpSpPr>
       <p:pic>
         <p:nvPicPr>
-          <p:cNvPr id="1625090" name="Picture 2" descr="1586"/>
+          <p:cNvPr id="1626114" name="Picture 2" descr="1587"/>
           <p:cNvPicPr>
             <a:picLocks noChangeAspect="1" noChangeArrowheads="1"/>
           </p:cNvPicPr>
@@ -3344,8 +3344,8 @@
         </p:blipFill>
         <p:spPr bwMode="auto">
           <a:xfrm>
-            <a:off x="1543050" y="14288"/>
-            <a:ext cx="9124950" cy="6843712"/>
+            <a:off x="1524001" y="0"/>
+            <a:ext cx="9053513" cy="6789738"/>
           </a:xfrm>
           <a:prstGeom prst="rect">
             <a:avLst/>
